--- a/Networked System and Applications/week20/EENGM0009-3-09-IoT-RPL Fundamentals(1).pptx
+++ b/Networked System and Applications/week20/EENGM0009-3-09-IoT-RPL Fundamentals(1).pptx
@@ -344,14 +344,14 @@
           </a:ln>
           <a:extLst>
             <a:ext uri="{909E8E84-426E-40dd-AFC4-6F175D3DCCD1}">
-              <a14:hiddenFill xmlns:a14="http://schemas.microsoft.com/office/drawing/2010/main" xmlns="">
+              <a14:hiddenFill xmlns="" xmlns:a14="http://schemas.microsoft.com/office/drawing/2010/main">
                 <a:solidFill>
                   <a:srgbClr val="FFFFFF"/>
                 </a:solidFill>
               </a14:hiddenFill>
             </a:ext>
             <a:ext uri="{91240B29-F687-4f45-9708-019B960494DF}">
-              <a14:hiddenLine xmlns:a14="http://schemas.microsoft.com/office/drawing/2010/main" xmlns="" w="12700">
+              <a14:hiddenLine xmlns="" xmlns:a14="http://schemas.microsoft.com/office/drawing/2010/main" w="12700">
                 <a:solidFill>
                   <a:srgbClr val="000000"/>
                 </a:solidFill>
@@ -492,14 +492,14 @@
           </a:ln>
           <a:extLst>
             <a:ext uri="{909E8E84-426E-40dd-AFC4-6F175D3DCCD1}">
-              <a14:hiddenFill xmlns:a14="http://schemas.microsoft.com/office/drawing/2010/main" xmlns="">
+              <a14:hiddenFill xmlns="" xmlns:a14="http://schemas.microsoft.com/office/drawing/2010/main">
                 <a:solidFill>
                   <a:srgbClr val="FFFFFF"/>
                 </a:solidFill>
               </a14:hiddenFill>
             </a:ext>
             <a:ext uri="{91240B29-F687-4f45-9708-019B960494DF}">
-              <a14:hiddenLine xmlns:a14="http://schemas.microsoft.com/office/drawing/2010/main" xmlns="" w="12700">
+              <a14:hiddenLine xmlns="" xmlns:a14="http://schemas.microsoft.com/office/drawing/2010/main" w="12700">
                 <a:solidFill>
                   <a:srgbClr val="000000"/>
                 </a:solidFill>
@@ -871,7 +871,7 @@
           </a:ln>
           <a:extLst>
             <a:ext uri="{909E8E84-426E-40dd-AFC4-6F175D3DCCD1}">
-              <a14:hiddenFill xmlns:a14="http://schemas.microsoft.com/office/drawing/2010/main" xmlns="">
+              <a14:hiddenFill xmlns="" xmlns:a14="http://schemas.microsoft.com/office/drawing/2010/main">
                 <a:solidFill>
                   <a:srgbClr val="FFFFFF"/>
                 </a:solidFill>
@@ -1060,14 +1060,14 @@
           <a:ln w="9525"/>
           <a:extLst>
             <a:ext uri="{909E8E84-426E-40dd-AFC4-6F175D3DCCD1}">
-              <a14:hiddenFill xmlns:a14="http://schemas.microsoft.com/office/drawing/2010/main" xmlns="">
+              <a14:hiddenFill xmlns="" xmlns:a14="http://schemas.microsoft.com/office/drawing/2010/main">
                 <a:solidFill>
                   <a:srgbClr val="FFFFFF"/>
                 </a:solidFill>
               </a14:hiddenFill>
             </a:ext>
             <a:ext uri="{91240B29-F687-4f45-9708-019B960494DF}">
-              <a14:hiddenLine xmlns:a14="http://schemas.microsoft.com/office/drawing/2010/main" xmlns="" w="9525">
+              <a14:hiddenLine xmlns="" xmlns:a14="http://schemas.microsoft.com/office/drawing/2010/main" w="9525">
                 <a:solidFill>
                   <a:srgbClr val="000000"/>
                 </a:solidFill>
@@ -4403,7 +4403,7 @@
           <a:noFill/>
           <a:extLst>
             <a:ext uri="{909E8E84-426E-40dd-AFC4-6F175D3DCCD1}">
-              <a14:hiddenFill xmlns:a14="http://schemas.microsoft.com/office/drawing/2010/main" xmlns="">
+              <a14:hiddenFill xmlns="" xmlns:a14="http://schemas.microsoft.com/office/drawing/2010/main">
                 <a:solidFill>
                   <a:srgbClr val="FFFFFF"/>
                 </a:solidFill>
@@ -8975,8 +8975,8 @@
         </p:nvSpPr>
         <p:spPr>
           <a:xfrm>
-            <a:off x="457200" y="1250066"/>
-            <a:ext cx="3588078" cy="4818224"/>
+            <a:off x="142507" y="1250066"/>
+            <a:ext cx="3902771" cy="4818224"/>
           </a:xfrm>
         </p:spPr>
         <p:txBody>
